--- a/database/presentation/database.pptx
+++ b/database/presentation/database.pptx
@@ -5,14 +5,18 @@
     <p:sldMasterId id="2147483648" r:id="rId1"/>
   </p:sldMasterIdLst>
   <p:notesMasterIdLst>
-    <p:notesMasterId r:id="rId4"/>
+    <p:notesMasterId r:id="rId8"/>
   </p:notesMasterIdLst>
   <p:handoutMasterIdLst>
-    <p:handoutMasterId r:id="rId5"/>
+    <p:handoutMasterId r:id="rId9"/>
   </p:handoutMasterIdLst>
   <p:sldIdLst>
     <p:sldId id="256" r:id="rId2"/>
-    <p:sldId id="257" r:id="rId3"/>
+    <p:sldId id="260" r:id="rId3"/>
+    <p:sldId id="261" r:id="rId4"/>
+    <p:sldId id="262" r:id="rId5"/>
+    <p:sldId id="258" r:id="rId6"/>
+    <p:sldId id="259" r:id="rId7"/>
   </p:sldIdLst>
   <p:sldSz cx="9144000" cy="6858000" type="screen4x3"/>
   <p:notesSz cx="6858000" cy="9144000"/>
@@ -4443,7 +4447,7 @@
           <a:p>
             <a:r>
               <a:rPr lang="en-US" dirty="0" smtClean="0"/>
-              <a:t>Database Design</a:t>
+              <a:t>Database</a:t>
             </a:r>
             <a:endParaRPr lang="en-US" dirty="0"/>
           </a:p>
@@ -4529,7 +4533,11 @@
           <a:bodyPr/>
           <a:lstStyle/>
           <a:p>
-            <a:endParaRPr lang="en-US"/>
+            <a:r>
+              <a:rPr lang="en-US" dirty="0" smtClean="0"/>
+              <a:t>Introduction to Database &amp; DBMS</a:t>
+            </a:r>
+            <a:endParaRPr lang="en-US" dirty="0"/>
           </a:p>
         </p:txBody>
       </p:sp>
@@ -4545,17 +4553,1681 @@
         </p:nvSpPr>
         <p:spPr/>
         <p:txBody>
-          <a:bodyPr/>
+          <a:bodyPr>
+            <a:normAutofit/>
+          </a:bodyPr>
           <a:lstStyle/>
           <a:p>
-            <a:endParaRPr lang="en-US"/>
+            <a:pPr marL="0" indent="0">
+              <a:buNone/>
+            </a:pPr>
+            <a:r>
+              <a:rPr lang="en-US" sz="2800" dirty="0" smtClean="0"/>
+              <a:t>What is a database ?</a:t>
+            </a:r>
+          </a:p>
+          <a:p>
+            <a:pPr marL="0" indent="0">
+              <a:buNone/>
+            </a:pPr>
+            <a:r>
+              <a:rPr lang="en-US" sz="2000" dirty="0" smtClean="0"/>
+              <a:t>	A </a:t>
+            </a:r>
+            <a:r>
+              <a:rPr lang="en-US" sz="2000" dirty="0"/>
+              <a:t>database is a systematic collection of data. Databases support </a:t>
+            </a:r>
+            <a:r>
+              <a:rPr lang="en-US" sz="2000" dirty="0" smtClean="0"/>
+              <a:t>	storage </a:t>
+            </a:r>
+            <a:r>
+              <a:rPr lang="en-US" sz="2000" dirty="0"/>
+              <a:t>and  manipulation of data. Databases make data </a:t>
+            </a:r>
+            <a:r>
+              <a:rPr lang="en-US" sz="2000" dirty="0" smtClean="0"/>
+              <a:t>	management easy</a:t>
+            </a:r>
+            <a:endParaRPr lang="en-US" sz="2800" dirty="0" smtClean="0"/>
+          </a:p>
+          <a:p>
+            <a:pPr marL="0" indent="0">
+              <a:buNone/>
+            </a:pPr>
+            <a:r>
+              <a:rPr lang="en-US" sz="2800" dirty="0" smtClean="0"/>
+              <a:t>What </a:t>
+            </a:r>
+            <a:r>
+              <a:rPr lang="en-US" sz="2800" dirty="0"/>
+              <a:t>Is Database Management System (DBMS)</a:t>
+            </a:r>
+          </a:p>
+          <a:p>
+            <a:pPr marL="400050" lvl="1" indent="0">
+              <a:buNone/>
+            </a:pPr>
+            <a:r>
+              <a:rPr lang="en-US" sz="1800" dirty="0"/>
+              <a:t>Database Management System (DBMS) is a collection of programs which enables its users to access database, manipulate data, reporting / representation of data .</a:t>
+            </a:r>
           </a:p>
         </p:txBody>
       </p:sp>
     </p:spTree>
     <p:extLst>
       <p:ext uri="{BB962C8B-B14F-4D97-AF65-F5344CB8AC3E}">
-        <p14:creationId xmlns:p14="http://schemas.microsoft.com/office/powerpoint/2010/main" val="2204145535"/>
+        <p14:creationId xmlns:p14="http://schemas.microsoft.com/office/powerpoint/2010/main" val="359790035"/>
+      </p:ext>
+    </p:extLst>
+  </p:cSld>
+  <p:clrMapOvr>
+    <a:masterClrMapping/>
+  </p:clrMapOvr>
+</p:sld>
+</file>
+
+<file path=ppt/slides/slide3.xml><?xml version="1.0" encoding="utf-8"?>
+<p:sld xmlns:a="http://schemas.openxmlformats.org/drawingml/2006/main" xmlns:r="http://schemas.openxmlformats.org/officeDocument/2006/relationships" xmlns:p="http://schemas.openxmlformats.org/presentationml/2006/main">
+  <p:cSld>
+    <p:spTree>
+      <p:nvGrpSpPr>
+        <p:cNvPr id="1" name=""/>
+        <p:cNvGrpSpPr/>
+        <p:nvPr/>
+      </p:nvGrpSpPr>
+      <p:grpSpPr>
+        <a:xfrm>
+          <a:off x="0" y="0"/>
+          <a:ext cx="0" cy="0"/>
+          <a:chOff x="0" y="0"/>
+          <a:chExt cx="0" cy="0"/>
+        </a:xfrm>
+      </p:grpSpPr>
+      <p:sp>
+        <p:nvSpPr>
+          <p:cNvPr id="2" name="Title 1"/>
+          <p:cNvSpPr>
+            <a:spLocks noGrp="1"/>
+          </p:cNvSpPr>
+          <p:nvPr>
+            <p:ph type="title"/>
+          </p:nvPr>
+        </p:nvSpPr>
+        <p:spPr/>
+        <p:txBody>
+          <a:bodyPr/>
+          <a:lstStyle/>
+          <a:p>
+            <a:r>
+              <a:rPr lang="en-US" dirty="0" smtClean="0"/>
+              <a:t>What’s SQL</a:t>
+            </a:r>
+            <a:endParaRPr lang="en-US" dirty="0"/>
+          </a:p>
+        </p:txBody>
+      </p:sp>
+      <p:sp>
+        <p:nvSpPr>
+          <p:cNvPr id="3" name="Content Placeholder 2"/>
+          <p:cNvSpPr>
+            <a:spLocks noGrp="1"/>
+          </p:cNvSpPr>
+          <p:nvPr>
+            <p:ph idx="1"/>
+          </p:nvPr>
+        </p:nvSpPr>
+        <p:spPr/>
+        <p:txBody>
+          <a:bodyPr/>
+          <a:lstStyle/>
+          <a:p>
+            <a:pPr marL="0" indent="0">
+              <a:buNone/>
+            </a:pPr>
+            <a:r>
+              <a:rPr lang="en-US" dirty="0" smtClean="0"/>
+              <a:t>SQL = Structured Query Language</a:t>
+            </a:r>
+          </a:p>
+          <a:p>
+            <a:pPr marL="0" indent="0">
+              <a:buNone/>
+            </a:pPr>
+            <a:r>
+              <a:rPr lang="en-US" dirty="0" smtClean="0"/>
+              <a:t>SQL is </a:t>
+            </a:r>
+            <a:r>
+              <a:rPr lang="en-US" dirty="0"/>
+              <a:t>a standard computer language for relational database management and data manipulation.</a:t>
+            </a:r>
+            <a:endParaRPr lang="en-US" dirty="0" smtClean="0"/>
+          </a:p>
+          <a:p>
+            <a:pPr marL="0" indent="0">
+              <a:buNone/>
+            </a:pPr>
+            <a:endParaRPr lang="en-US" dirty="0"/>
+          </a:p>
+          <a:p>
+            <a:pPr marL="0" indent="0">
+              <a:buNone/>
+            </a:pPr>
+            <a:endParaRPr lang="en-US" dirty="0" smtClean="0"/>
+          </a:p>
+          <a:p>
+            <a:pPr marL="0" indent="0">
+              <a:buNone/>
+            </a:pPr>
+            <a:endParaRPr lang="en-US" dirty="0"/>
+          </a:p>
+        </p:txBody>
+      </p:sp>
+    </p:spTree>
+    <p:extLst>
+      <p:ext uri="{BB962C8B-B14F-4D97-AF65-F5344CB8AC3E}">
+        <p14:creationId xmlns:p14="http://schemas.microsoft.com/office/powerpoint/2010/main" val="4084785646"/>
+      </p:ext>
+    </p:extLst>
+  </p:cSld>
+  <p:clrMapOvr>
+    <a:masterClrMapping/>
+  </p:clrMapOvr>
+</p:sld>
+</file>
+
+<file path=ppt/slides/slide4.xml><?xml version="1.0" encoding="utf-8"?>
+<p:sld xmlns:a="http://schemas.openxmlformats.org/drawingml/2006/main" xmlns:r="http://schemas.openxmlformats.org/officeDocument/2006/relationships" xmlns:p="http://schemas.openxmlformats.org/presentationml/2006/main">
+  <p:cSld>
+    <p:spTree>
+      <p:nvGrpSpPr>
+        <p:cNvPr id="1" name=""/>
+        <p:cNvGrpSpPr/>
+        <p:nvPr/>
+      </p:nvGrpSpPr>
+      <p:grpSpPr>
+        <a:xfrm>
+          <a:off x="0" y="0"/>
+          <a:ext cx="0" cy="0"/>
+          <a:chOff x="0" y="0"/>
+          <a:chExt cx="0" cy="0"/>
+        </a:xfrm>
+      </p:grpSpPr>
+      <p:sp>
+        <p:nvSpPr>
+          <p:cNvPr id="2" name="Title 1"/>
+          <p:cNvSpPr>
+            <a:spLocks noGrp="1"/>
+          </p:cNvSpPr>
+          <p:nvPr>
+            <p:ph type="title"/>
+          </p:nvPr>
+        </p:nvSpPr>
+        <p:spPr/>
+        <p:txBody>
+          <a:bodyPr/>
+          <a:lstStyle/>
+          <a:p>
+            <a:r>
+              <a:rPr lang="en-US" dirty="0" smtClean="0"/>
+              <a:t>What’s </a:t>
+            </a:r>
+            <a:r>
+              <a:rPr lang="en-US" dirty="0" err="1" smtClean="0"/>
+              <a:t>NoSQL</a:t>
+            </a:r>
+            <a:endParaRPr lang="en-US" dirty="0"/>
+          </a:p>
+        </p:txBody>
+      </p:sp>
+      <p:sp>
+        <p:nvSpPr>
+          <p:cNvPr id="3" name="Content Placeholder 2"/>
+          <p:cNvSpPr>
+            <a:spLocks noGrp="1"/>
+          </p:cNvSpPr>
+          <p:nvPr>
+            <p:ph idx="1"/>
+          </p:nvPr>
+        </p:nvSpPr>
+        <p:spPr/>
+        <p:txBody>
+          <a:bodyPr>
+            <a:normAutofit/>
+          </a:bodyPr>
+          <a:lstStyle/>
+          <a:p>
+            <a:pPr marL="0" indent="0">
+              <a:buNone/>
+            </a:pPr>
+            <a:r>
+              <a:rPr lang="en-US" sz="2800" dirty="0" err="1"/>
+              <a:t>NoSQL</a:t>
+            </a:r>
+            <a:r>
+              <a:rPr lang="en-US" sz="2800" dirty="0"/>
+              <a:t> is an upcoming category of Database Management </a:t>
+            </a:r>
+            <a:r>
+              <a:rPr lang="en-US" sz="2800" dirty="0" smtClean="0"/>
+              <a:t>Systems. Its </a:t>
+            </a:r>
+            <a:r>
+              <a:rPr lang="en-US" sz="2800" dirty="0"/>
+              <a:t>main characteristic is its non-adherence to Relational Database Concepts. NOSQL means "Not only SQL". </a:t>
+            </a:r>
+            <a:endParaRPr lang="en-US" sz="2800" dirty="0" smtClean="0"/>
+          </a:p>
+          <a:p>
+            <a:pPr marL="0" indent="0">
+              <a:buNone/>
+            </a:pPr>
+            <a:endParaRPr lang="en-US" sz="2800" dirty="0" smtClean="0"/>
+          </a:p>
+          <a:p>
+            <a:pPr marL="0" indent="0">
+              <a:buNone/>
+            </a:pPr>
+            <a:r>
+              <a:rPr lang="en-US" sz="2800" smtClean="0"/>
+              <a:t>NOSQL </a:t>
+            </a:r>
+            <a:r>
+              <a:rPr lang="en-US" sz="2800"/>
+              <a:t>database are non-relational databases that scale out better than relational databases and are designed with web applications in mind.</a:t>
+            </a:r>
+            <a:endParaRPr lang="en-US" sz="2800" dirty="0"/>
+          </a:p>
+        </p:txBody>
+      </p:sp>
+    </p:spTree>
+    <p:extLst>
+      <p:ext uri="{BB962C8B-B14F-4D97-AF65-F5344CB8AC3E}">
+        <p14:creationId xmlns:p14="http://schemas.microsoft.com/office/powerpoint/2010/main" val="1916349554"/>
+      </p:ext>
+    </p:extLst>
+  </p:cSld>
+  <p:clrMapOvr>
+    <a:masterClrMapping/>
+  </p:clrMapOvr>
+</p:sld>
+</file>
+
+<file path=ppt/slides/slide5.xml><?xml version="1.0" encoding="utf-8"?>
+<p:sld xmlns:a="http://schemas.openxmlformats.org/drawingml/2006/main" xmlns:r="http://schemas.openxmlformats.org/officeDocument/2006/relationships" xmlns:p="http://schemas.openxmlformats.org/presentationml/2006/main">
+  <p:cSld>
+    <p:spTree>
+      <p:nvGrpSpPr>
+        <p:cNvPr id="1" name=""/>
+        <p:cNvGrpSpPr/>
+        <p:nvPr/>
+      </p:nvGrpSpPr>
+      <p:grpSpPr>
+        <a:xfrm>
+          <a:off x="0" y="0"/>
+          <a:ext cx="0" cy="0"/>
+          <a:chOff x="0" y="0"/>
+          <a:chExt cx="0" cy="0"/>
+        </a:xfrm>
+      </p:grpSpPr>
+      <p:sp>
+        <p:nvSpPr>
+          <p:cNvPr id="2" name="Title 1"/>
+          <p:cNvSpPr>
+            <a:spLocks noGrp="1"/>
+          </p:cNvSpPr>
+          <p:nvPr>
+            <p:ph type="title"/>
+          </p:nvPr>
+        </p:nvSpPr>
+        <p:spPr/>
+        <p:txBody>
+          <a:bodyPr/>
+          <a:lstStyle/>
+          <a:p>
+            <a:r>
+              <a:rPr lang="en-US" dirty="0" smtClean="0"/>
+              <a:t>Basic Concept of Database</a:t>
+            </a:r>
+            <a:endParaRPr lang="en-US" dirty="0"/>
+          </a:p>
+        </p:txBody>
+      </p:sp>
+      <p:pic>
+        <p:nvPicPr>
+          <p:cNvPr id="4" name="Shape 399"/>
+          <p:cNvPicPr preferRelativeResize="0">
+            <a:picLocks noChangeAspect="1" noChangeArrowheads="1"/>
+          </p:cNvPicPr>
+          <p:nvPr/>
+        </p:nvPicPr>
+        <p:blipFill>
+          <a:blip r:embed="rId2">
+            <a:extLst>
+              <a:ext uri="{28A0092B-C50C-407E-A947-70E740481C1C}">
+                <a14:useLocalDpi xmlns:a14="http://schemas.microsoft.com/office/drawing/2010/main" val="0"/>
+              </a:ext>
+            </a:extLst>
+          </a:blip>
+          <a:srcRect/>
+          <a:stretch>
+            <a:fillRect/>
+          </a:stretch>
+        </p:blipFill>
+        <p:spPr bwMode="auto">
+          <a:xfrm>
+            <a:off x="1546528" y="1959812"/>
+            <a:ext cx="4835863" cy="4050959"/>
+          </a:xfrm>
+          <a:prstGeom prst="rect">
+            <a:avLst/>
+          </a:prstGeom>
+          <a:noFill/>
+          <a:ln>
+            <a:noFill/>
+          </a:ln>
+          <a:extLst>
+            <a:ext uri="{909E8E84-426E-40dd-AFC4-6F175D3DCCD1}">
+              <a14:hiddenFill xmlns:a14="http://schemas.microsoft.com/office/drawing/2010/main">
+                <a:solidFill>
+                  <a:srgbClr val="FFFFFF"/>
+                </a:solidFill>
+              </a14:hiddenFill>
+            </a:ext>
+            <a:ext uri="{91240B29-F687-4f45-9708-019B960494DF}">
+              <a14:hiddenLine xmlns:a14="http://schemas.microsoft.com/office/drawing/2010/main" w="9525">
+                <a:solidFill>
+                  <a:srgbClr val="000000"/>
+                </a:solidFill>
+                <a:miter lim="800000"/>
+                <a:headEnd/>
+                <a:tailEnd/>
+              </a14:hiddenLine>
+            </a:ext>
+          </a:extLst>
+        </p:spPr>
+      </p:pic>
+    </p:spTree>
+    <p:extLst>
+      <p:ext uri="{BB962C8B-B14F-4D97-AF65-F5344CB8AC3E}">
+        <p14:creationId xmlns:p14="http://schemas.microsoft.com/office/powerpoint/2010/main" val="3993725399"/>
+      </p:ext>
+    </p:extLst>
+  </p:cSld>
+  <p:clrMapOvr>
+    <a:masterClrMapping/>
+  </p:clrMapOvr>
+</p:sld>
+</file>
+
+<file path=ppt/slides/slide6.xml><?xml version="1.0" encoding="utf-8"?>
+<p:sld xmlns:a="http://schemas.openxmlformats.org/drawingml/2006/main" xmlns:r="http://schemas.openxmlformats.org/officeDocument/2006/relationships" xmlns:p="http://schemas.openxmlformats.org/presentationml/2006/main">
+  <p:cSld>
+    <p:spTree>
+      <p:nvGrpSpPr>
+        <p:cNvPr id="1" name=""/>
+        <p:cNvGrpSpPr/>
+        <p:nvPr/>
+      </p:nvGrpSpPr>
+      <p:grpSpPr>
+        <a:xfrm>
+          <a:off x="0" y="0"/>
+          <a:ext cx="0" cy="0"/>
+          <a:chOff x="0" y="0"/>
+          <a:chExt cx="0" cy="0"/>
+        </a:xfrm>
+      </p:grpSpPr>
+      <p:sp>
+        <p:nvSpPr>
+          <p:cNvPr id="2" name="Title 1"/>
+          <p:cNvSpPr>
+            <a:spLocks noGrp="1"/>
+          </p:cNvSpPr>
+          <p:nvPr>
+            <p:ph type="title"/>
+          </p:nvPr>
+        </p:nvSpPr>
+        <p:spPr/>
+        <p:txBody>
+          <a:bodyPr/>
+          <a:lstStyle/>
+          <a:p>
+            <a:r>
+              <a:rPr lang="en-US" dirty="0"/>
+              <a:t>Basic Concept of Database</a:t>
+            </a:r>
+          </a:p>
+        </p:txBody>
+      </p:sp>
+      <p:graphicFrame>
+        <p:nvGraphicFramePr>
+          <p:cNvPr id="4" name="Shape 504"/>
+          <p:cNvGraphicFramePr>
+            <a:graphicFrameLocks noGrp="1"/>
+          </p:cNvGraphicFramePr>
+          <p:nvPr>
+            <p:extLst>
+              <p:ext uri="{D42A27DB-BD31-4B8C-83A1-F6EECF244321}">
+                <p14:modId xmlns:p14="http://schemas.microsoft.com/office/powerpoint/2010/main" val="4179018960"/>
+              </p:ext>
+            </p:extLst>
+          </p:nvPr>
+        </p:nvGraphicFramePr>
+        <p:xfrm>
+          <a:off x="842417" y="2904787"/>
+          <a:ext cx="7619475" cy="2977985"/>
+        </p:xfrm>
+        <a:graphic>
+          <a:graphicData uri="http://schemas.openxmlformats.org/drawingml/2006/table">
+            <a:tbl>
+              <a:tblPr/>
+              <a:tblGrid>
+                <a:gridCol w="2539825"/>
+                <a:gridCol w="2539825"/>
+                <a:gridCol w="2539825"/>
+              </a:tblGrid>
+              <a:tr h="316859">
+                <a:tc>
+                  <a:txBody>
+                    <a:bodyPr/>
+                    <a:lstStyle/>
+                    <a:p>
+                      <a:pPr marL="0" marR="0" lvl="0" indent="0" algn="ctr" defTabSz="914400" rtl="0" eaLnBrk="1" fontAlgn="base" latinLnBrk="0" hangingPunct="1">
+                        <a:lnSpc>
+                          <a:spcPct val="100000"/>
+                        </a:lnSpc>
+                        <a:spcBef>
+                          <a:spcPct val="0"/>
+                        </a:spcBef>
+                        <a:spcAft>
+                          <a:spcPct val="0"/>
+                        </a:spcAft>
+                        <a:buClrTx/>
+                        <a:buSzPct val="25000"/>
+                        <a:buFontTx/>
+                        <a:buNone/>
+                        <a:tabLst/>
+                      </a:pPr>
+                      <a:r>
+                        <a:rPr kumimoji="0" lang="en-US" sz="1400" b="0" i="0" u="none" strike="noStrike" cap="none" normalizeH="0" baseline="0" dirty="0">
+                          <a:ln>
+                            <a:noFill/>
+                          </a:ln>
+                          <a:solidFill>
+                            <a:schemeClr val="tx1"/>
+                          </a:solidFill>
+                          <a:effectLst/>
+                          <a:latin typeface="Arial" charset="0"/>
+                          <a:ea typeface="ＭＳ Ｐゴシック" charset="0"/>
+                          <a:cs typeface="Arial" charset="0"/>
+                          <a:sym typeface="Arial" charset="0"/>
+                        </a:rPr>
+                        <a:t>TABLE</a:t>
+                      </a:r>
+                    </a:p>
+                  </a:txBody>
+                  <a:tcPr marL="100817" marR="100817" marT="50403" marB="50403" horzOverflow="overflow">
+                    <a:lnL w="12700" cap="flat" cmpd="sng" algn="ctr">
+                      <a:solidFill>
+                        <a:srgbClr val="000000"/>
+                      </a:solidFill>
+                      <a:prstDash val="solid"/>
+                      <a:round/>
+                      <a:headEnd type="none" w="med" len="med"/>
+                      <a:tailEnd type="none" w="med" len="med"/>
+                    </a:lnL>
+                    <a:lnR w="12700" cap="flat" cmpd="sng" algn="ctr">
+                      <a:solidFill>
+                        <a:srgbClr val="000000"/>
+                      </a:solidFill>
+                      <a:prstDash val="solid"/>
+                      <a:round/>
+                      <a:headEnd type="none" w="med" len="med"/>
+                      <a:tailEnd type="none" w="med" len="med"/>
+                    </a:lnR>
+                    <a:lnT w="12700" cap="flat" cmpd="sng" algn="ctr">
+                      <a:solidFill>
+                        <a:srgbClr val="000000"/>
+                      </a:solidFill>
+                      <a:prstDash val="solid"/>
+                      <a:round/>
+                      <a:headEnd type="none" w="med" len="med"/>
+                      <a:tailEnd type="none" w="med" len="med"/>
+                    </a:lnT>
+                    <a:lnB w="12700" cap="flat" cmpd="sng" algn="ctr">
+                      <a:solidFill>
+                        <a:srgbClr val="000000"/>
+                      </a:solidFill>
+                      <a:prstDash val="solid"/>
+                      <a:round/>
+                      <a:headEnd type="none" w="med" len="med"/>
+                      <a:tailEnd type="none" w="med" len="med"/>
+                    </a:lnB>
+                    <a:lnTlToBr>
+                      <a:noFill/>
+                    </a:lnTlToBr>
+                    <a:lnBlToTr>
+                      <a:noFill/>
+                    </a:lnBlToTr>
+                    <a:noFill/>
+                  </a:tcPr>
+                </a:tc>
+                <a:tc>
+                  <a:txBody>
+                    <a:bodyPr/>
+                    <a:lstStyle/>
+                    <a:p>
+                      <a:pPr marL="0" marR="0" lvl="0" indent="0" algn="ctr" defTabSz="914400" rtl="0" eaLnBrk="1" fontAlgn="base" latinLnBrk="0" hangingPunct="1">
+                        <a:lnSpc>
+                          <a:spcPct val="100000"/>
+                        </a:lnSpc>
+                        <a:spcBef>
+                          <a:spcPct val="0"/>
+                        </a:spcBef>
+                        <a:spcAft>
+                          <a:spcPct val="0"/>
+                        </a:spcAft>
+                        <a:buClrTx/>
+                        <a:buSzPct val="25000"/>
+                        <a:buFontTx/>
+                        <a:buNone/>
+                        <a:tabLst/>
+                      </a:pPr>
+                      <a:r>
+                        <a:rPr kumimoji="0" lang="en-US" sz="1400" b="0" i="0" u="none" strike="noStrike" cap="none" normalizeH="0" baseline="0">
+                          <a:ln>
+                            <a:noFill/>
+                          </a:ln>
+                          <a:solidFill>
+                            <a:schemeClr val="tx1"/>
+                          </a:solidFill>
+                          <a:effectLst/>
+                          <a:latin typeface="Arial" charset="0"/>
+                          <a:ea typeface="ＭＳ Ｐゴシック" charset="0"/>
+                          <a:cs typeface="Arial" charset="0"/>
+                          <a:sym typeface="Arial" charset="0"/>
+                        </a:rPr>
+                        <a:t>RECORD</a:t>
+                      </a:r>
+                    </a:p>
+                  </a:txBody>
+                  <a:tcPr marL="100817" marR="100817" marT="50403" marB="50403" horzOverflow="overflow">
+                    <a:lnL w="12700" cap="flat" cmpd="sng" algn="ctr">
+                      <a:solidFill>
+                        <a:srgbClr val="000000"/>
+                      </a:solidFill>
+                      <a:prstDash val="solid"/>
+                      <a:round/>
+                      <a:headEnd type="none" w="med" len="med"/>
+                      <a:tailEnd type="none" w="med" len="med"/>
+                    </a:lnL>
+                    <a:lnR w="12700" cap="flat" cmpd="sng" algn="ctr">
+                      <a:solidFill>
+                        <a:srgbClr val="000000"/>
+                      </a:solidFill>
+                      <a:prstDash val="solid"/>
+                      <a:round/>
+                      <a:headEnd type="none" w="med" len="med"/>
+                      <a:tailEnd type="none" w="med" len="med"/>
+                    </a:lnR>
+                    <a:lnT w="12700" cap="flat" cmpd="sng" algn="ctr">
+                      <a:solidFill>
+                        <a:srgbClr val="000000"/>
+                      </a:solidFill>
+                      <a:prstDash val="solid"/>
+                      <a:round/>
+                      <a:headEnd type="none" w="med" len="med"/>
+                      <a:tailEnd type="none" w="med" len="med"/>
+                    </a:lnT>
+                    <a:lnB w="12700" cap="flat" cmpd="sng" algn="ctr">
+                      <a:solidFill>
+                        <a:srgbClr val="000000"/>
+                      </a:solidFill>
+                      <a:prstDash val="solid"/>
+                      <a:round/>
+                      <a:headEnd type="none" w="med" len="med"/>
+                      <a:tailEnd type="none" w="med" len="med"/>
+                    </a:lnB>
+                    <a:lnTlToBr>
+                      <a:noFill/>
+                    </a:lnTlToBr>
+                    <a:lnBlToTr>
+                      <a:noFill/>
+                    </a:lnBlToTr>
+                    <a:noFill/>
+                  </a:tcPr>
+                </a:tc>
+                <a:tc>
+                  <a:txBody>
+                    <a:bodyPr/>
+                    <a:lstStyle/>
+                    <a:p>
+                      <a:pPr marL="0" marR="0" lvl="0" indent="0" algn="ctr" defTabSz="914400" rtl="0" eaLnBrk="1" fontAlgn="base" latinLnBrk="0" hangingPunct="1">
+                        <a:lnSpc>
+                          <a:spcPct val="100000"/>
+                        </a:lnSpc>
+                        <a:spcBef>
+                          <a:spcPct val="0"/>
+                        </a:spcBef>
+                        <a:spcAft>
+                          <a:spcPct val="0"/>
+                        </a:spcAft>
+                        <a:buClrTx/>
+                        <a:buSzPct val="25000"/>
+                        <a:buFontTx/>
+                        <a:buNone/>
+                        <a:tabLst/>
+                      </a:pPr>
+                      <a:r>
+                        <a:rPr kumimoji="0" lang="en-US" sz="1400" b="0" i="0" u="none" strike="noStrike" cap="none" normalizeH="0" baseline="0">
+                          <a:ln>
+                            <a:noFill/>
+                          </a:ln>
+                          <a:solidFill>
+                            <a:schemeClr val="tx1"/>
+                          </a:solidFill>
+                          <a:effectLst/>
+                          <a:latin typeface="Arial" charset="0"/>
+                          <a:ea typeface="ＭＳ Ｐゴシック" charset="0"/>
+                          <a:cs typeface="Arial" charset="0"/>
+                          <a:sym typeface="Arial" charset="0"/>
+                        </a:rPr>
+                        <a:t>FIELD</a:t>
+                      </a:r>
+                    </a:p>
+                  </a:txBody>
+                  <a:tcPr marL="100817" marR="100817" marT="50403" marB="50403" horzOverflow="overflow">
+                    <a:lnL w="12700" cap="flat" cmpd="sng" algn="ctr">
+                      <a:solidFill>
+                        <a:srgbClr val="000000"/>
+                      </a:solidFill>
+                      <a:prstDash val="solid"/>
+                      <a:round/>
+                      <a:headEnd type="none" w="med" len="med"/>
+                      <a:tailEnd type="none" w="med" len="med"/>
+                    </a:lnL>
+                    <a:lnR w="12700" cap="flat" cmpd="sng" algn="ctr">
+                      <a:solidFill>
+                        <a:srgbClr val="000000"/>
+                      </a:solidFill>
+                      <a:prstDash val="solid"/>
+                      <a:round/>
+                      <a:headEnd type="none" w="med" len="med"/>
+                      <a:tailEnd type="none" w="med" len="med"/>
+                    </a:lnR>
+                    <a:lnT w="12700" cap="flat" cmpd="sng" algn="ctr">
+                      <a:solidFill>
+                        <a:srgbClr val="000000"/>
+                      </a:solidFill>
+                      <a:prstDash val="solid"/>
+                      <a:round/>
+                      <a:headEnd type="none" w="med" len="med"/>
+                      <a:tailEnd type="none" w="med" len="med"/>
+                    </a:lnT>
+                    <a:lnB w="12700" cap="flat" cmpd="sng" algn="ctr">
+                      <a:solidFill>
+                        <a:srgbClr val="000000"/>
+                      </a:solidFill>
+                      <a:prstDash val="solid"/>
+                      <a:round/>
+                      <a:headEnd type="none" w="med" len="med"/>
+                      <a:tailEnd type="none" w="med" len="med"/>
+                    </a:lnB>
+                    <a:lnTlToBr>
+                      <a:noFill/>
+                    </a:lnTlToBr>
+                    <a:lnBlToTr>
+                      <a:noFill/>
+                    </a:lnBlToTr>
+                    <a:noFill/>
+                  </a:tcPr>
+                </a:tc>
+              </a:tr>
+              <a:tr h="2081312">
+                <a:tc>
+                  <a:txBody>
+                    <a:bodyPr/>
+                    <a:lstStyle/>
+                    <a:p>
+                      <a:pPr marL="285750" marR="0" lvl="0" indent="-285750" algn="l" defTabSz="914400" rtl="0" eaLnBrk="1" fontAlgn="base" latinLnBrk="0" hangingPunct="1">
+                        <a:lnSpc>
+                          <a:spcPct val="100000"/>
+                        </a:lnSpc>
+                        <a:spcBef>
+                          <a:spcPct val="0"/>
+                        </a:spcBef>
+                        <a:spcAft>
+                          <a:spcPct val="0"/>
+                        </a:spcAft>
+                        <a:buClrTx/>
+                        <a:buSzPct val="100000"/>
+                        <a:buFont typeface="Arial" charset="0"/>
+                        <a:buChar char="•"/>
+                        <a:tabLst/>
+                      </a:pPr>
+                      <a:r>
+                        <a:rPr kumimoji="0" lang="en-US" sz="1400" b="0" i="0" u="none" strike="noStrike" cap="none" normalizeH="0" baseline="0" dirty="0">
+                          <a:ln>
+                            <a:noFill/>
+                          </a:ln>
+                          <a:solidFill>
+                            <a:schemeClr val="tx1"/>
+                          </a:solidFill>
+                          <a:effectLst/>
+                          <a:latin typeface="Arial" charset="0"/>
+                          <a:ea typeface="ＭＳ Ｐゴシック" charset="0"/>
+                          <a:cs typeface="Arial" charset="0"/>
+                          <a:sym typeface="Arial" charset="0"/>
+                        </a:rPr>
+                        <a:t>also known as database </a:t>
+                      </a:r>
+                      <a:r>
+                        <a:rPr kumimoji="0" lang="en-US" sz="1400" b="1" i="0" u="none" strike="noStrike" cap="none" normalizeH="0" baseline="0" dirty="0">
+                          <a:ln>
+                            <a:noFill/>
+                          </a:ln>
+                          <a:solidFill>
+                            <a:schemeClr val="tx1"/>
+                          </a:solidFill>
+                          <a:effectLst/>
+                          <a:latin typeface="Arial" charset="0"/>
+                          <a:ea typeface="ＭＳ Ｐゴシック" charset="0"/>
+                          <a:cs typeface="Arial" charset="0"/>
+                          <a:sym typeface="Arial" charset="0"/>
+                        </a:rPr>
+                        <a:t>file</a:t>
+                      </a:r>
+                      <a:r>
+                        <a:rPr kumimoji="0" lang="en-US" sz="1400" b="0" i="0" u="none" strike="noStrike" cap="none" normalizeH="0" baseline="0" dirty="0">
+                          <a:ln>
+                            <a:noFill/>
+                          </a:ln>
+                          <a:solidFill>
+                            <a:schemeClr val="tx1"/>
+                          </a:solidFill>
+                          <a:effectLst/>
+                          <a:latin typeface="Arial" charset="0"/>
+                          <a:ea typeface="ＭＳ Ｐゴシック" charset="0"/>
+                          <a:cs typeface="Arial" charset="0"/>
+                          <a:sym typeface="Arial" charset="0"/>
+                        </a:rPr>
+                        <a:t>/s.</a:t>
+                      </a:r>
+                    </a:p>
+                    <a:p>
+                      <a:pPr marL="285750" marR="0" lvl="0" indent="-285750" algn="l" defTabSz="914400" rtl="0" eaLnBrk="1" fontAlgn="base" latinLnBrk="0" hangingPunct="1">
+                        <a:lnSpc>
+                          <a:spcPct val="100000"/>
+                        </a:lnSpc>
+                        <a:spcBef>
+                          <a:spcPct val="0"/>
+                        </a:spcBef>
+                        <a:spcAft>
+                          <a:spcPct val="0"/>
+                        </a:spcAft>
+                        <a:buClrTx/>
+                        <a:buSzPct val="100000"/>
+                        <a:buFont typeface="Arial" charset="0"/>
+                        <a:buChar char="•"/>
+                        <a:tabLst/>
+                      </a:pPr>
+                      <a:r>
+                        <a:rPr kumimoji="0" lang="en-US" sz="1400" b="1" i="0" u="none" strike="noStrike" cap="none" normalizeH="0" baseline="0" dirty="0">
+                          <a:ln>
+                            <a:noFill/>
+                          </a:ln>
+                          <a:solidFill>
+                            <a:schemeClr val="tx1"/>
+                          </a:solidFill>
+                          <a:effectLst/>
+                          <a:latin typeface="Arial" charset="0"/>
+                          <a:ea typeface="ＭＳ Ｐゴシック" charset="0"/>
+                          <a:cs typeface="Arial" charset="0"/>
+                          <a:sym typeface="Arial" charset="0"/>
+                        </a:rPr>
+                        <a:t>organized data in rows and columns.</a:t>
+                      </a:r>
+                    </a:p>
+                    <a:p>
+                      <a:pPr marL="285750" marR="0" lvl="0" indent="-285750" algn="l" defTabSz="914400" rtl="0" eaLnBrk="1" fontAlgn="base" latinLnBrk="0" hangingPunct="1">
+                        <a:lnSpc>
+                          <a:spcPct val="100000"/>
+                        </a:lnSpc>
+                        <a:spcBef>
+                          <a:spcPct val="0"/>
+                        </a:spcBef>
+                        <a:spcAft>
+                          <a:spcPct val="0"/>
+                        </a:spcAft>
+                        <a:buClrTx/>
+                        <a:buSzPct val="100000"/>
+                        <a:buFont typeface="Arial" charset="0"/>
+                        <a:buChar char="•"/>
+                        <a:tabLst/>
+                      </a:pPr>
+                      <a:r>
+                        <a:rPr kumimoji="0" lang="en-US" sz="1400" b="0" i="0" u="none" strike="noStrike" cap="none" normalizeH="0" baseline="0" dirty="0">
+                          <a:ln>
+                            <a:noFill/>
+                          </a:ln>
+                          <a:solidFill>
+                            <a:schemeClr val="tx1"/>
+                          </a:solidFill>
+                          <a:effectLst/>
+                          <a:latin typeface="Arial" charset="0"/>
+                          <a:ea typeface="ＭＳ Ｐゴシック" charset="0"/>
+                          <a:cs typeface="Arial" charset="0"/>
+                          <a:sym typeface="Arial" charset="0"/>
+                        </a:rPr>
+                        <a:t>contain fields (column) and records (row).</a:t>
+                      </a:r>
+                    </a:p>
+                    <a:p>
+                      <a:pPr marL="285750" marR="0" lvl="0" indent="-285750" algn="l" defTabSz="914400" rtl="0" eaLnBrk="1" fontAlgn="base" latinLnBrk="0" hangingPunct="1">
+                        <a:lnSpc>
+                          <a:spcPct val="100000"/>
+                        </a:lnSpc>
+                        <a:spcBef>
+                          <a:spcPct val="0"/>
+                        </a:spcBef>
+                        <a:spcAft>
+                          <a:spcPct val="0"/>
+                        </a:spcAft>
+                        <a:buClrTx/>
+                        <a:buSzPct val="100000"/>
+                        <a:buFont typeface="Arial" charset="0"/>
+                        <a:buChar char="•"/>
+                        <a:tabLst/>
+                      </a:pPr>
+                      <a:r>
+                        <a:rPr kumimoji="0" lang="en-US" sz="1400" b="0" i="0" u="none" strike="noStrike" cap="none" normalizeH="0" baseline="0" dirty="0">
+                          <a:ln>
+                            <a:noFill/>
+                          </a:ln>
+                          <a:solidFill>
+                            <a:schemeClr val="tx1"/>
+                          </a:solidFill>
+                          <a:effectLst/>
+                          <a:latin typeface="Arial" charset="0"/>
+                          <a:ea typeface="ＭＳ Ｐゴシック" charset="0"/>
+                          <a:cs typeface="Arial" charset="0"/>
+                          <a:sym typeface="Arial" charset="0"/>
+                        </a:rPr>
+                        <a:t>Data file – collection of related records, stored in any available storage medium.</a:t>
+                      </a:r>
+                    </a:p>
+                  </a:txBody>
+                  <a:tcPr marL="100817" marR="100817" marT="50403" marB="50403" horzOverflow="overflow">
+                    <a:lnL w="12700" cap="flat" cmpd="sng" algn="ctr">
+                      <a:solidFill>
+                        <a:srgbClr val="000000"/>
+                      </a:solidFill>
+                      <a:prstDash val="solid"/>
+                      <a:round/>
+                      <a:headEnd type="none" w="med" len="med"/>
+                      <a:tailEnd type="none" w="med" len="med"/>
+                    </a:lnL>
+                    <a:lnR w="12700" cap="flat" cmpd="sng" algn="ctr">
+                      <a:solidFill>
+                        <a:srgbClr val="000000"/>
+                      </a:solidFill>
+                      <a:prstDash val="solid"/>
+                      <a:round/>
+                      <a:headEnd type="none" w="med" len="med"/>
+                      <a:tailEnd type="none" w="med" len="med"/>
+                    </a:lnR>
+                    <a:lnT w="12700" cap="flat" cmpd="sng" algn="ctr">
+                      <a:solidFill>
+                        <a:srgbClr val="000000"/>
+                      </a:solidFill>
+                      <a:prstDash val="solid"/>
+                      <a:round/>
+                      <a:headEnd type="none" w="med" len="med"/>
+                      <a:tailEnd type="none" w="med" len="med"/>
+                    </a:lnT>
+                    <a:lnB w="12700" cap="flat" cmpd="sng" algn="ctr">
+                      <a:solidFill>
+                        <a:srgbClr val="000000"/>
+                      </a:solidFill>
+                      <a:prstDash val="solid"/>
+                      <a:round/>
+                      <a:headEnd type="none" w="med" len="med"/>
+                      <a:tailEnd type="none" w="med" len="med"/>
+                    </a:lnB>
+                    <a:lnTlToBr>
+                      <a:noFill/>
+                    </a:lnTlToBr>
+                    <a:lnBlToTr>
+                      <a:noFill/>
+                    </a:lnBlToTr>
+                    <a:noFill/>
+                  </a:tcPr>
+                </a:tc>
+                <a:tc>
+                  <a:txBody>
+                    <a:bodyPr/>
+                    <a:lstStyle/>
+                    <a:p>
+                      <a:pPr marL="285750" marR="0" lvl="0" indent="-285750" algn="l" defTabSz="914400" rtl="0" eaLnBrk="1" fontAlgn="base" latinLnBrk="0" hangingPunct="1">
+                        <a:lnSpc>
+                          <a:spcPct val="100000"/>
+                        </a:lnSpc>
+                        <a:spcBef>
+                          <a:spcPct val="0"/>
+                        </a:spcBef>
+                        <a:spcAft>
+                          <a:spcPct val="0"/>
+                        </a:spcAft>
+                        <a:buClrTx/>
+                        <a:buSzPct val="100000"/>
+                        <a:buFont typeface="Arial" charset="0"/>
+                        <a:buChar char="•"/>
+                        <a:tabLst/>
+                      </a:pPr>
+                      <a:r>
+                        <a:rPr kumimoji="0" lang="en-US" sz="1400" b="0" i="0" u="none" strike="noStrike" cap="none" normalizeH="0" baseline="0" dirty="0">
+                          <a:ln>
+                            <a:noFill/>
+                          </a:ln>
+                          <a:solidFill>
+                            <a:schemeClr val="tx1"/>
+                          </a:solidFill>
+                          <a:effectLst/>
+                          <a:latin typeface="Arial" charset="0"/>
+                          <a:ea typeface="ＭＳ Ｐゴシック" charset="0"/>
+                          <a:cs typeface="Arial" charset="0"/>
+                          <a:sym typeface="Arial" charset="0"/>
+                        </a:rPr>
+                        <a:t>also known as </a:t>
+                      </a:r>
+                      <a:r>
+                        <a:rPr kumimoji="0" lang="en-US" sz="1400" b="1" i="0" u="none" strike="noStrike" cap="none" normalizeH="0" baseline="0" dirty="0">
+                          <a:ln>
+                            <a:noFill/>
+                          </a:ln>
+                          <a:solidFill>
+                            <a:schemeClr val="tx1"/>
+                          </a:solidFill>
+                          <a:effectLst/>
+                          <a:latin typeface="Arial" charset="0"/>
+                          <a:ea typeface="ＭＳ Ｐゴシック" charset="0"/>
+                          <a:cs typeface="Arial" charset="0"/>
+                          <a:sym typeface="Arial" charset="0"/>
+                        </a:rPr>
+                        <a:t>rows/tuple</a:t>
+                      </a:r>
+                      <a:r>
+                        <a:rPr kumimoji="0" lang="en-US" sz="1400" b="0" i="0" u="none" strike="noStrike" cap="none" normalizeH="0" baseline="0" dirty="0">
+                          <a:ln>
+                            <a:noFill/>
+                          </a:ln>
+                          <a:solidFill>
+                            <a:schemeClr val="tx1"/>
+                          </a:solidFill>
+                          <a:effectLst/>
+                          <a:latin typeface="Arial" charset="0"/>
+                          <a:ea typeface="ＭＳ Ｐゴシック" charset="0"/>
+                          <a:cs typeface="Arial" charset="0"/>
+                          <a:sym typeface="Arial" charset="0"/>
+                        </a:rPr>
+                        <a:t>.</a:t>
+                      </a:r>
+                    </a:p>
+                    <a:p>
+                      <a:pPr marL="285750" marR="0" lvl="0" indent="-285750" algn="l" defTabSz="914400" rtl="0" eaLnBrk="1" fontAlgn="base" latinLnBrk="0" hangingPunct="1">
+                        <a:lnSpc>
+                          <a:spcPct val="100000"/>
+                        </a:lnSpc>
+                        <a:spcBef>
+                          <a:spcPct val="0"/>
+                        </a:spcBef>
+                        <a:spcAft>
+                          <a:spcPct val="0"/>
+                        </a:spcAft>
+                        <a:buClrTx/>
+                        <a:buSzPct val="100000"/>
+                        <a:buFont typeface="Arial" charset="0"/>
+                        <a:buChar char="•"/>
+                        <a:tabLst/>
+                      </a:pPr>
+                      <a:r>
+                        <a:rPr kumimoji="0" lang="en-US" sz="1400" b="0" i="0" u="none" strike="noStrike" cap="none" normalizeH="0" baseline="0" dirty="0">
+                          <a:ln>
+                            <a:noFill/>
+                          </a:ln>
+                          <a:solidFill>
+                            <a:schemeClr val="tx1"/>
+                          </a:solidFill>
+                          <a:effectLst/>
+                          <a:latin typeface="Arial" charset="0"/>
+                          <a:ea typeface="ＭＳ Ｐゴシック" charset="0"/>
+                          <a:cs typeface="Arial" charset="0"/>
+                          <a:sym typeface="Arial" charset="0"/>
+                        </a:rPr>
+                        <a:t>Contains data values (name for a person, of a product, an ID for student).</a:t>
+                      </a:r>
+                    </a:p>
+                    <a:p>
+                      <a:pPr marL="285750" marR="0" lvl="0" indent="-285750" algn="l" defTabSz="914400" rtl="0" eaLnBrk="1" fontAlgn="base" latinLnBrk="0" hangingPunct="1">
+                        <a:lnSpc>
+                          <a:spcPct val="100000"/>
+                        </a:lnSpc>
+                        <a:spcBef>
+                          <a:spcPct val="0"/>
+                        </a:spcBef>
+                        <a:spcAft>
+                          <a:spcPct val="0"/>
+                        </a:spcAft>
+                        <a:buClrTx/>
+                        <a:buSzPct val="100000"/>
+                        <a:buFont typeface="Arial" charset="0"/>
+                        <a:buChar char="•"/>
+                        <a:tabLst/>
+                      </a:pPr>
+                      <a:r>
+                        <a:rPr kumimoji="0" lang="en-US" sz="1400" b="0" i="0" u="none" strike="noStrike" cap="none" normalizeH="0" baseline="0" dirty="0">
+                          <a:ln>
+                            <a:noFill/>
+                          </a:ln>
+                          <a:solidFill>
+                            <a:schemeClr val="tx1"/>
+                          </a:solidFill>
+                          <a:effectLst/>
+                          <a:latin typeface="Arial" charset="0"/>
+                          <a:ea typeface="ＭＳ Ｐゴシック" charset="0"/>
+                          <a:cs typeface="Arial" charset="0"/>
+                          <a:sym typeface="Arial" charset="0"/>
+                        </a:rPr>
+                        <a:t>a </a:t>
+                      </a:r>
+                      <a:r>
+                        <a:rPr kumimoji="0" lang="en-US" sz="1400" b="1" i="0" u="none" strike="noStrike" cap="none" normalizeH="0" baseline="0" dirty="0">
+                          <a:ln>
+                            <a:noFill/>
+                          </a:ln>
+                          <a:solidFill>
+                            <a:schemeClr val="tx1"/>
+                          </a:solidFill>
+                          <a:effectLst/>
+                          <a:latin typeface="Arial" charset="0"/>
+                          <a:ea typeface="ＭＳ Ｐゴシック" charset="0"/>
+                          <a:cs typeface="Arial" charset="0"/>
+                          <a:sym typeface="Arial" charset="0"/>
+                        </a:rPr>
+                        <a:t>collections of related fields in a database</a:t>
+                      </a:r>
+                      <a:r>
+                        <a:rPr kumimoji="0" lang="en-US" sz="1400" b="0" i="0" u="none" strike="noStrike" cap="none" normalizeH="0" baseline="0" dirty="0">
+                          <a:ln>
+                            <a:noFill/>
+                          </a:ln>
+                          <a:solidFill>
+                            <a:schemeClr val="tx1"/>
+                          </a:solidFill>
+                          <a:effectLst/>
+                          <a:latin typeface="Arial" charset="0"/>
+                          <a:ea typeface="ＭＳ Ｐゴシック" charset="0"/>
+                          <a:cs typeface="Arial" charset="0"/>
+                          <a:sym typeface="Arial" charset="0"/>
+                        </a:rPr>
+                        <a:t>.</a:t>
+                      </a:r>
+                    </a:p>
+                    <a:p>
+                      <a:pPr marL="285750" marR="0" lvl="0" indent="-285750" algn="l" defTabSz="914400" rtl="0" eaLnBrk="1" fontAlgn="base" latinLnBrk="0" hangingPunct="1">
+                        <a:lnSpc>
+                          <a:spcPct val="100000"/>
+                        </a:lnSpc>
+                        <a:spcBef>
+                          <a:spcPct val="0"/>
+                        </a:spcBef>
+                        <a:spcAft>
+                          <a:spcPct val="0"/>
+                        </a:spcAft>
+                        <a:buClrTx/>
+                        <a:buSzPct val="100000"/>
+                        <a:buFont typeface="Arial" charset="0"/>
+                        <a:buChar char="•"/>
+                        <a:tabLst/>
+                      </a:pPr>
+                      <a:r>
+                        <a:rPr kumimoji="0" lang="en-US" sz="1400" b="0" i="0" u="none" strike="noStrike" cap="none" normalizeH="0" baseline="0" dirty="0">
+                          <a:ln>
+                            <a:noFill/>
+                          </a:ln>
+                          <a:solidFill>
+                            <a:schemeClr val="tx1"/>
+                          </a:solidFill>
+                          <a:effectLst/>
+                          <a:latin typeface="Arial" charset="0"/>
+                          <a:ea typeface="ＭＳ Ｐゴシック" charset="0"/>
+                          <a:cs typeface="Arial" charset="0"/>
+                          <a:sym typeface="Arial" charset="0"/>
+                        </a:rPr>
+                        <a:t>also represent a data attributes (describing an entity).</a:t>
+                      </a:r>
+                    </a:p>
+                    <a:p>
+                      <a:pPr marL="285750" marR="0" lvl="0" indent="-285750" algn="l" defTabSz="914400" rtl="0" eaLnBrk="1" fontAlgn="base" latinLnBrk="0" hangingPunct="1">
+                        <a:lnSpc>
+                          <a:spcPct val="100000"/>
+                        </a:lnSpc>
+                        <a:spcBef>
+                          <a:spcPct val="0"/>
+                        </a:spcBef>
+                        <a:spcAft>
+                          <a:spcPct val="0"/>
+                        </a:spcAft>
+                        <a:buClrTx/>
+                        <a:buSzPct val="100000"/>
+                        <a:buFont typeface="Arial" charset="0"/>
+                        <a:buNone/>
+                        <a:tabLst/>
+                      </a:pPr>
+                      <a:endParaRPr kumimoji="0" lang="en-US" sz="1400" b="0" i="0" u="none" strike="noStrike" cap="none" normalizeH="0" baseline="0" dirty="0">
+                        <a:ln>
+                          <a:noFill/>
+                        </a:ln>
+                        <a:solidFill>
+                          <a:schemeClr val="tx1"/>
+                        </a:solidFill>
+                        <a:effectLst/>
+                        <a:latin typeface="Arial" charset="0"/>
+                        <a:ea typeface="ＭＳ Ｐゴシック" charset="0"/>
+                        <a:cs typeface="Arial" charset="0"/>
+                        <a:sym typeface="Arial" charset="0"/>
+                      </a:endParaRPr>
+                    </a:p>
+                  </a:txBody>
+                  <a:tcPr marL="100817" marR="100817" marT="50403" marB="50403" horzOverflow="overflow">
+                    <a:lnL w="12700" cap="flat" cmpd="sng" algn="ctr">
+                      <a:solidFill>
+                        <a:srgbClr val="000000"/>
+                      </a:solidFill>
+                      <a:prstDash val="solid"/>
+                      <a:round/>
+                      <a:headEnd type="none" w="med" len="med"/>
+                      <a:tailEnd type="none" w="med" len="med"/>
+                    </a:lnL>
+                    <a:lnR w="12700" cap="flat" cmpd="sng" algn="ctr">
+                      <a:solidFill>
+                        <a:srgbClr val="000000"/>
+                      </a:solidFill>
+                      <a:prstDash val="solid"/>
+                      <a:round/>
+                      <a:headEnd type="none" w="med" len="med"/>
+                      <a:tailEnd type="none" w="med" len="med"/>
+                    </a:lnR>
+                    <a:lnT w="12700" cap="flat" cmpd="sng" algn="ctr">
+                      <a:solidFill>
+                        <a:srgbClr val="000000"/>
+                      </a:solidFill>
+                      <a:prstDash val="solid"/>
+                      <a:round/>
+                      <a:headEnd type="none" w="med" len="med"/>
+                      <a:tailEnd type="none" w="med" len="med"/>
+                    </a:lnT>
+                    <a:lnB w="12700" cap="flat" cmpd="sng" algn="ctr">
+                      <a:solidFill>
+                        <a:srgbClr val="000000"/>
+                      </a:solidFill>
+                      <a:prstDash val="solid"/>
+                      <a:round/>
+                      <a:headEnd type="none" w="med" len="med"/>
+                      <a:tailEnd type="none" w="med" len="med"/>
+                    </a:lnB>
+                    <a:lnTlToBr>
+                      <a:noFill/>
+                    </a:lnTlToBr>
+                    <a:lnBlToTr>
+                      <a:noFill/>
+                    </a:lnBlToTr>
+                    <a:noFill/>
+                  </a:tcPr>
+                </a:tc>
+                <a:tc>
+                  <a:txBody>
+                    <a:bodyPr/>
+                    <a:lstStyle/>
+                    <a:p>
+                      <a:pPr marL="285750" marR="0" lvl="0" indent="-285750" algn="l" defTabSz="914400" rtl="0" eaLnBrk="1" fontAlgn="base" latinLnBrk="0" hangingPunct="1">
+                        <a:lnSpc>
+                          <a:spcPct val="100000"/>
+                        </a:lnSpc>
+                        <a:spcBef>
+                          <a:spcPct val="0"/>
+                        </a:spcBef>
+                        <a:spcAft>
+                          <a:spcPct val="0"/>
+                        </a:spcAft>
+                        <a:buClrTx/>
+                        <a:buSzPct val="100000"/>
+                        <a:buFont typeface="Arial" charset="0"/>
+                        <a:buChar char="•"/>
+                        <a:tabLst/>
+                      </a:pPr>
+                      <a:r>
+                        <a:rPr kumimoji="0" lang="en-US" sz="1400" b="0" i="0" u="none" strike="noStrike" cap="none" normalizeH="0" baseline="0" dirty="0">
+                          <a:ln>
+                            <a:noFill/>
+                          </a:ln>
+                          <a:solidFill>
+                            <a:schemeClr val="tx1"/>
+                          </a:solidFill>
+                          <a:effectLst/>
+                          <a:latin typeface="Arial" charset="0"/>
+                          <a:ea typeface="ＭＳ Ｐゴシック" charset="0"/>
+                          <a:cs typeface="Arial" charset="0"/>
+                          <a:sym typeface="Arial" charset="0"/>
+                        </a:rPr>
+                        <a:t>also known as a </a:t>
+                      </a:r>
+                      <a:r>
+                        <a:rPr kumimoji="0" lang="en-US" sz="1400" b="1" i="0" u="none" strike="noStrike" cap="none" normalizeH="0" baseline="0" dirty="0">
+                          <a:ln>
+                            <a:noFill/>
+                          </a:ln>
+                          <a:solidFill>
+                            <a:schemeClr val="tx1"/>
+                          </a:solidFill>
+                          <a:effectLst/>
+                          <a:latin typeface="Arial" charset="0"/>
+                          <a:ea typeface="ＭＳ Ｐゴシック" charset="0"/>
+                          <a:cs typeface="Arial" charset="0"/>
+                          <a:sym typeface="Arial" charset="0"/>
+                        </a:rPr>
+                        <a:t>columns</a:t>
+                      </a:r>
+                    </a:p>
+                    <a:p>
+                      <a:pPr marL="285750" marR="0" lvl="0" indent="-285750" algn="l" defTabSz="914400" rtl="0" eaLnBrk="1" fontAlgn="base" latinLnBrk="0" hangingPunct="1">
+                        <a:lnSpc>
+                          <a:spcPct val="100000"/>
+                        </a:lnSpc>
+                        <a:spcBef>
+                          <a:spcPct val="0"/>
+                        </a:spcBef>
+                        <a:spcAft>
+                          <a:spcPct val="0"/>
+                        </a:spcAft>
+                        <a:buClrTx/>
+                        <a:buSzPct val="100000"/>
+                        <a:buFont typeface="Arial" charset="0"/>
+                        <a:buChar char="•"/>
+                        <a:tabLst/>
+                      </a:pPr>
+                      <a:r>
+                        <a:rPr kumimoji="0" lang="en-US" sz="1400" b="0" i="0" u="none" strike="noStrike" cap="none" normalizeH="0" baseline="0" dirty="0">
+                          <a:ln>
+                            <a:noFill/>
+                          </a:ln>
+                          <a:solidFill>
+                            <a:schemeClr val="tx1"/>
+                          </a:solidFill>
+                          <a:effectLst/>
+                          <a:latin typeface="Arial" charset="0"/>
+                          <a:ea typeface="ＭＳ Ｐゴシック" charset="0"/>
+                          <a:cs typeface="Arial" charset="0"/>
+                          <a:sym typeface="Arial" charset="0"/>
+                        </a:rPr>
+                        <a:t>contains a specific category of data within a record.</a:t>
+                      </a:r>
+                    </a:p>
+                    <a:p>
+                      <a:pPr marL="285750" marR="0" lvl="0" indent="-285750" algn="l" defTabSz="914400" rtl="0" eaLnBrk="1" fontAlgn="base" latinLnBrk="0" hangingPunct="1">
+                        <a:lnSpc>
+                          <a:spcPct val="100000"/>
+                        </a:lnSpc>
+                        <a:spcBef>
+                          <a:spcPct val="0"/>
+                        </a:spcBef>
+                        <a:spcAft>
+                          <a:spcPct val="0"/>
+                        </a:spcAft>
+                        <a:buClrTx/>
+                        <a:buSzPct val="100000"/>
+                        <a:buFont typeface="Arial" charset="0"/>
+                        <a:buChar char="•"/>
+                        <a:tabLst/>
+                      </a:pPr>
+                      <a:r>
+                        <a:rPr kumimoji="0" lang="en-US" sz="1400" b="0" i="0" u="none" strike="noStrike" cap="none" normalizeH="0" baseline="0" dirty="0">
+                          <a:ln>
+                            <a:noFill/>
+                          </a:ln>
+                          <a:solidFill>
+                            <a:schemeClr val="tx1"/>
+                          </a:solidFill>
+                          <a:effectLst/>
+                          <a:latin typeface="Arial" charset="0"/>
+                          <a:ea typeface="ＭＳ Ｐゴシック" charset="0"/>
+                          <a:cs typeface="Arial" charset="0"/>
+                          <a:sym typeface="Arial" charset="0"/>
+                        </a:rPr>
+                        <a:t>single category of data to be stored in database.</a:t>
+                      </a:r>
+                    </a:p>
+                    <a:p>
+                      <a:pPr marL="285750" marR="0" lvl="0" indent="-285750" algn="l" defTabSz="914400" rtl="0" eaLnBrk="1" fontAlgn="base" latinLnBrk="0" hangingPunct="1">
+                        <a:lnSpc>
+                          <a:spcPct val="100000"/>
+                        </a:lnSpc>
+                        <a:spcBef>
+                          <a:spcPct val="0"/>
+                        </a:spcBef>
+                        <a:spcAft>
+                          <a:spcPct val="0"/>
+                        </a:spcAft>
+                        <a:buClrTx/>
+                        <a:buSzPct val="100000"/>
+                        <a:buFont typeface="Arial" charset="0"/>
+                        <a:buChar char="•"/>
+                        <a:tabLst/>
+                      </a:pPr>
+                      <a:r>
+                        <a:rPr kumimoji="0" lang="en-US" sz="1400" b="1" i="0" u="none" strike="noStrike" cap="none" normalizeH="0" baseline="0" dirty="0">
+                          <a:ln>
+                            <a:noFill/>
+                          </a:ln>
+                          <a:solidFill>
+                            <a:schemeClr val="tx1"/>
+                          </a:solidFill>
+                          <a:effectLst/>
+                          <a:latin typeface="Arial" charset="0"/>
+                          <a:ea typeface="ＭＳ Ｐゴシック" charset="0"/>
+                          <a:cs typeface="Arial" charset="0"/>
+                          <a:sym typeface="Arial" charset="0"/>
+                        </a:rPr>
+                        <a:t>field name </a:t>
+                      </a:r>
+                      <a:r>
+                        <a:rPr kumimoji="0" lang="en-US" sz="1400" b="0" i="0" u="none" strike="noStrike" cap="none" normalizeH="0" baseline="0" dirty="0">
+                          <a:ln>
+                            <a:noFill/>
+                          </a:ln>
+                          <a:solidFill>
+                            <a:schemeClr val="tx1"/>
+                          </a:solidFill>
+                          <a:effectLst/>
+                          <a:latin typeface="Arial" charset="0"/>
+                          <a:ea typeface="ＭＳ Ｐゴシック" charset="0"/>
+                          <a:cs typeface="Arial" charset="0"/>
+                          <a:sym typeface="Arial" charset="0"/>
+                        </a:rPr>
+                        <a:t>– uniquely identifies each field.</a:t>
+                      </a:r>
+                    </a:p>
+                    <a:p>
+                      <a:pPr marL="285750" marR="0" lvl="0" indent="-285750" algn="l" defTabSz="914400" rtl="0" eaLnBrk="1" fontAlgn="base" latinLnBrk="0" hangingPunct="1">
+                        <a:lnSpc>
+                          <a:spcPct val="100000"/>
+                        </a:lnSpc>
+                        <a:spcBef>
+                          <a:spcPct val="0"/>
+                        </a:spcBef>
+                        <a:spcAft>
+                          <a:spcPct val="0"/>
+                        </a:spcAft>
+                        <a:buClrTx/>
+                        <a:buSzPct val="100000"/>
+                        <a:buFont typeface="Arial" charset="0"/>
+                        <a:buChar char="•"/>
+                        <a:tabLst/>
+                      </a:pPr>
+                      <a:r>
+                        <a:rPr kumimoji="0" lang="en-US" sz="1400" b="1" i="0" u="none" strike="noStrike" cap="none" normalizeH="0" baseline="0" dirty="0">
+                          <a:ln>
+                            <a:noFill/>
+                          </a:ln>
+                          <a:solidFill>
+                            <a:schemeClr val="tx1"/>
+                          </a:solidFill>
+                          <a:effectLst/>
+                          <a:latin typeface="Arial" charset="0"/>
+                          <a:ea typeface="ＭＳ Ｐゴシック" charset="0"/>
+                          <a:cs typeface="Arial" charset="0"/>
+                          <a:sym typeface="Arial" charset="0"/>
+                        </a:rPr>
+                        <a:t>field size </a:t>
+                      </a:r>
+                      <a:r>
+                        <a:rPr kumimoji="0" lang="en-US" sz="1400" b="0" i="0" u="none" strike="noStrike" cap="none" normalizeH="0" baseline="0" dirty="0">
+                          <a:ln>
+                            <a:noFill/>
+                          </a:ln>
+                          <a:solidFill>
+                            <a:schemeClr val="tx1"/>
+                          </a:solidFill>
+                          <a:effectLst/>
+                          <a:latin typeface="Arial" charset="0"/>
+                          <a:ea typeface="ＭＳ Ｐゴシック" charset="0"/>
+                          <a:cs typeface="Arial" charset="0"/>
+                          <a:sym typeface="Arial" charset="0"/>
+                        </a:rPr>
+                        <a:t>– defines the maximum of characters a field can contain.</a:t>
+                      </a:r>
+                    </a:p>
+                  </a:txBody>
+                  <a:tcPr marL="100817" marR="100817" marT="50403" marB="50403" horzOverflow="overflow">
+                    <a:lnL w="12700" cap="flat" cmpd="sng" algn="ctr">
+                      <a:solidFill>
+                        <a:srgbClr val="000000"/>
+                      </a:solidFill>
+                      <a:prstDash val="solid"/>
+                      <a:round/>
+                      <a:headEnd type="none" w="med" len="med"/>
+                      <a:tailEnd type="none" w="med" len="med"/>
+                    </a:lnL>
+                    <a:lnR w="12700" cap="flat" cmpd="sng" algn="ctr">
+                      <a:solidFill>
+                        <a:srgbClr val="000000"/>
+                      </a:solidFill>
+                      <a:prstDash val="solid"/>
+                      <a:round/>
+                      <a:headEnd type="none" w="med" len="med"/>
+                      <a:tailEnd type="none" w="med" len="med"/>
+                    </a:lnR>
+                    <a:lnT w="12700" cap="flat" cmpd="sng" algn="ctr">
+                      <a:solidFill>
+                        <a:srgbClr val="000000"/>
+                      </a:solidFill>
+                      <a:prstDash val="solid"/>
+                      <a:round/>
+                      <a:headEnd type="none" w="med" len="med"/>
+                      <a:tailEnd type="none" w="med" len="med"/>
+                    </a:lnT>
+                    <a:lnB w="12700" cap="flat" cmpd="sng" algn="ctr">
+                      <a:solidFill>
+                        <a:srgbClr val="000000"/>
+                      </a:solidFill>
+                      <a:prstDash val="solid"/>
+                      <a:round/>
+                      <a:headEnd type="none" w="med" len="med"/>
+                      <a:tailEnd type="none" w="med" len="med"/>
+                    </a:lnB>
+                    <a:lnTlToBr>
+                      <a:noFill/>
+                    </a:lnTlToBr>
+                    <a:lnBlToTr>
+                      <a:noFill/>
+                    </a:lnBlToTr>
+                    <a:noFill/>
+                  </a:tcPr>
+                </a:tc>
+              </a:tr>
+            </a:tbl>
+          </a:graphicData>
+        </a:graphic>
+      </p:graphicFrame>
+      <p:pic>
+        <p:nvPicPr>
+          <p:cNvPr id="5" name="Shape 507"/>
+          <p:cNvPicPr preferRelativeResize="0">
+            <a:picLocks noChangeAspect="1" noChangeArrowheads="1"/>
+          </p:cNvPicPr>
+          <p:nvPr/>
+        </p:nvPicPr>
+        <p:blipFill>
+          <a:blip r:embed="rId2">
+            <a:extLst>
+              <a:ext uri="{28A0092B-C50C-407E-A947-70E740481C1C}">
+                <a14:useLocalDpi xmlns:a14="http://schemas.microsoft.com/office/drawing/2010/main" val="0"/>
+              </a:ext>
+            </a:extLst>
+          </a:blip>
+          <a:srcRect/>
+          <a:stretch>
+            <a:fillRect/>
+          </a:stretch>
+        </p:blipFill>
+        <p:spPr bwMode="auto">
+          <a:xfrm>
+            <a:off x="1659594" y="2074848"/>
+            <a:ext cx="653910" cy="653911"/>
+          </a:xfrm>
+          <a:prstGeom prst="rect">
+            <a:avLst/>
+          </a:prstGeom>
+          <a:noFill/>
+          <a:ln>
+            <a:noFill/>
+          </a:ln>
+          <a:extLst>
+            <a:ext uri="{909E8E84-426E-40dd-AFC4-6F175D3DCCD1}">
+              <a14:hiddenFill xmlns:a14="http://schemas.microsoft.com/office/drawing/2010/main">
+                <a:solidFill>
+                  <a:srgbClr val="FFFFFF"/>
+                </a:solidFill>
+              </a14:hiddenFill>
+            </a:ext>
+            <a:ext uri="{91240B29-F687-4f45-9708-019B960494DF}">
+              <a14:hiddenLine xmlns:a14="http://schemas.microsoft.com/office/drawing/2010/main" w="9525">
+                <a:solidFill>
+                  <a:srgbClr val="000000"/>
+                </a:solidFill>
+                <a:miter lim="800000"/>
+                <a:headEnd/>
+                <a:tailEnd/>
+              </a14:hiddenLine>
+            </a:ext>
+          </a:extLst>
+        </p:spPr>
+      </p:pic>
+      <p:pic>
+        <p:nvPicPr>
+          <p:cNvPr id="6" name="Shape 508"/>
+          <p:cNvPicPr preferRelativeResize="0">
+            <a:picLocks noChangeAspect="1" noChangeArrowheads="1"/>
+          </p:cNvPicPr>
+          <p:nvPr/>
+        </p:nvPicPr>
+        <p:blipFill>
+          <a:blip r:embed="rId3">
+            <a:extLst>
+              <a:ext uri="{28A0092B-C50C-407E-A947-70E740481C1C}">
+                <a14:useLocalDpi xmlns:a14="http://schemas.microsoft.com/office/drawing/2010/main" val="0"/>
+              </a:ext>
+            </a:extLst>
+          </a:blip>
+          <a:srcRect/>
+          <a:stretch>
+            <a:fillRect/>
+          </a:stretch>
+        </p:blipFill>
+        <p:spPr bwMode="auto">
+          <a:xfrm>
+            <a:off x="4342488" y="1986823"/>
+            <a:ext cx="741936" cy="741935"/>
+          </a:xfrm>
+          <a:prstGeom prst="rect">
+            <a:avLst/>
+          </a:prstGeom>
+          <a:noFill/>
+          <a:ln>
+            <a:noFill/>
+          </a:ln>
+          <a:extLst>
+            <a:ext uri="{909E8E84-426E-40dd-AFC4-6F175D3DCCD1}">
+              <a14:hiddenFill xmlns:a14="http://schemas.microsoft.com/office/drawing/2010/main">
+                <a:solidFill>
+                  <a:srgbClr val="FFFFFF"/>
+                </a:solidFill>
+              </a14:hiddenFill>
+            </a:ext>
+            <a:ext uri="{91240B29-F687-4f45-9708-019B960494DF}">
+              <a14:hiddenLine xmlns:a14="http://schemas.microsoft.com/office/drawing/2010/main" w="9525">
+                <a:solidFill>
+                  <a:srgbClr val="000000"/>
+                </a:solidFill>
+                <a:miter lim="800000"/>
+                <a:headEnd/>
+                <a:tailEnd/>
+              </a14:hiddenLine>
+            </a:ext>
+          </a:extLst>
+        </p:spPr>
+      </p:pic>
+      <p:pic>
+        <p:nvPicPr>
+          <p:cNvPr id="7" name="Shape 509"/>
+          <p:cNvPicPr preferRelativeResize="0">
+            <a:picLocks noChangeAspect="1" noChangeArrowheads="1"/>
+          </p:cNvPicPr>
+          <p:nvPr/>
+        </p:nvPicPr>
+        <p:blipFill>
+          <a:blip r:embed="rId4">
+            <a:extLst>
+              <a:ext uri="{28A0092B-C50C-407E-A947-70E740481C1C}">
+                <a14:useLocalDpi xmlns:a14="http://schemas.microsoft.com/office/drawing/2010/main" val="0"/>
+              </a:ext>
+            </a:extLst>
+          </a:blip>
+          <a:srcRect/>
+          <a:stretch>
+            <a:fillRect/>
+          </a:stretch>
+        </p:blipFill>
+        <p:spPr bwMode="auto">
+          <a:xfrm>
+            <a:off x="6726765" y="2049354"/>
+            <a:ext cx="949351" cy="679405"/>
+          </a:xfrm>
+          <a:prstGeom prst="rect">
+            <a:avLst/>
+          </a:prstGeom>
+          <a:noFill/>
+          <a:ln>
+            <a:noFill/>
+          </a:ln>
+          <a:extLst>
+            <a:ext uri="{909E8E84-426E-40dd-AFC4-6F175D3DCCD1}">
+              <a14:hiddenFill xmlns:a14="http://schemas.microsoft.com/office/drawing/2010/main">
+                <a:solidFill>
+                  <a:srgbClr val="FFFFFF"/>
+                </a:solidFill>
+              </a14:hiddenFill>
+            </a:ext>
+            <a:ext uri="{91240B29-F687-4f45-9708-019B960494DF}">
+              <a14:hiddenLine xmlns:a14="http://schemas.microsoft.com/office/drawing/2010/main" w="9525">
+                <a:solidFill>
+                  <a:srgbClr val="000000"/>
+                </a:solidFill>
+                <a:miter lim="800000"/>
+                <a:headEnd/>
+                <a:tailEnd/>
+              </a14:hiddenLine>
+            </a:ext>
+          </a:extLst>
+        </p:spPr>
+      </p:pic>
+    </p:spTree>
+    <p:extLst>
+      <p:ext uri="{BB962C8B-B14F-4D97-AF65-F5344CB8AC3E}">
+        <p14:creationId xmlns:p14="http://schemas.microsoft.com/office/powerpoint/2010/main" val="3639116592"/>
       </p:ext>
     </p:extLst>
   </p:cSld>
